--- a/软件工程Lab1.pptx
+++ b/软件工程Lab1.pptx
@@ -1306,7 +1306,11 @@
             </a:pPr>
             <a:r>
               <a:rPr lang="zh-CN" altLang="en-US" dirty="0" smtClean="0"/>
-              <a:t>在最初客户的需求中其实只有提醒收到新邮件而已，后来在同客户交流的过程中，又不断添加了删除、回复、转发、标记已读功能。最后确定了一个相对开发周期来说比较庞大的项目需求。所以在开发过程中，开发团队总是觉得时间紧迫。在后期开发中不能不放弃一定的功能开发，只留下接口供后期发展</a:t>
+              <a:t>在最初客户的需求中其实只有提醒收到新邮件而已，后来在同客户交流的过程中，又不断添加了删除、回复、转发、标记已读功能。最后确定了一个相对开发周期来说比较庞大的项目需求。所以在开发过程中，开发团队总是觉得时间紧迫。在后期开发中不能不放弃一定的功能开发，只留下接口供后期</a:t>
+            </a:r>
+            <a:r>
+              <a:rPr lang="zh-CN" altLang="en-US" dirty="0" smtClean="0"/>
+              <a:t>发展。</a:t>
             </a:r>
             <a:endParaRPr lang="en-US" altLang="zh-CN" dirty="0" smtClean="0"/>
           </a:p>
@@ -1392,6 +1396,237 @@
           <a:bodyPr/>
           <a:lstStyle/>
           <a:p>
+            <a:r>
+              <a:rPr lang="zh-CN" altLang="en-US" sz="1200" b="0" i="0" u="none" strike="noStrike" kern="1200" baseline="0" dirty="0" smtClean="0">
+                <a:solidFill>
+                  <a:schemeClr val="tx1"/>
+                </a:solidFill>
+                <a:latin typeface="+mn-lt"/>
+                <a:ea typeface="+mn-ea"/>
+                <a:cs typeface="+mn-cs"/>
+              </a:rPr>
+              <a:t>由于我们推出的时</a:t>
+            </a:r>
+            <a:r>
+              <a:rPr lang="en-US" altLang="zh-CN" sz="1200" b="0" i="0" u="none" strike="noStrike" kern="1200" baseline="0" dirty="0" smtClean="0">
+                <a:solidFill>
+                  <a:schemeClr val="tx1"/>
+                </a:solidFill>
+                <a:latin typeface="+mn-lt"/>
+                <a:ea typeface="+mn-ea"/>
+                <a:cs typeface="+mn-cs"/>
+              </a:rPr>
+              <a:t>chrome</a:t>
+            </a:r>
+            <a:r>
+              <a:rPr lang="zh-CN" altLang="en-US" sz="1200" b="0" i="0" u="none" strike="noStrike" kern="1200" baseline="0" dirty="0" smtClean="0">
+                <a:solidFill>
+                  <a:schemeClr val="tx1"/>
+                </a:solidFill>
+                <a:latin typeface="+mn-lt"/>
+                <a:ea typeface="+mn-ea"/>
+                <a:cs typeface="+mn-cs"/>
+              </a:rPr>
+              <a:t>浏览器学邮插件，而在</a:t>
+            </a:r>
+            <a:r>
+              <a:rPr lang="en-US" altLang="zh-CN" sz="1200" b="0" i="0" u="none" strike="noStrike" kern="1200" baseline="0" dirty="0" smtClean="0">
+                <a:solidFill>
+                  <a:schemeClr val="tx1"/>
+                </a:solidFill>
+                <a:latin typeface="+mn-lt"/>
+                <a:ea typeface="+mn-ea"/>
+                <a:cs typeface="+mn-cs"/>
+              </a:rPr>
+              <a:t>chrome</a:t>
+            </a:r>
+            <a:r>
+              <a:rPr lang="zh-CN" altLang="en-US" sz="1200" b="0" i="0" u="none" strike="noStrike" kern="1200" baseline="0" dirty="0" smtClean="0">
+                <a:solidFill>
+                  <a:schemeClr val="tx1"/>
+                </a:solidFill>
+                <a:latin typeface="+mn-lt"/>
+                <a:ea typeface="+mn-ea"/>
+                <a:cs typeface="+mn-cs"/>
+              </a:rPr>
+              <a:t>应用商店中，已经存在了</a:t>
+            </a:r>
+            <a:r>
+              <a:rPr lang="en-US" altLang="zh-CN" sz="1200" b="0" i="0" u="none" strike="noStrike" kern="1200" baseline="0" dirty="0" err="1" smtClean="0">
+                <a:solidFill>
+                  <a:schemeClr val="tx1"/>
+                </a:solidFill>
+                <a:latin typeface="+mn-lt"/>
+                <a:ea typeface="+mn-ea"/>
+                <a:cs typeface="+mn-cs"/>
+              </a:rPr>
+              <a:t>google</a:t>
+            </a:r>
+            <a:r>
+              <a:rPr lang="zh-CN" altLang="en-US" sz="1200" b="0" i="0" u="none" strike="noStrike" kern="1200" baseline="0" dirty="0" smtClean="0">
+                <a:solidFill>
+                  <a:schemeClr val="tx1"/>
+                </a:solidFill>
+                <a:latin typeface="+mn-lt"/>
+                <a:ea typeface="+mn-ea"/>
+                <a:cs typeface="+mn-cs"/>
+              </a:rPr>
+              <a:t>提供的</a:t>
+            </a:r>
+            <a:r>
+              <a:rPr lang="en-US" altLang="zh-CN" sz="1200" b="0" i="0" u="none" strike="noStrike" kern="1200" baseline="0" dirty="0" smtClean="0">
+                <a:solidFill>
+                  <a:schemeClr val="tx1"/>
+                </a:solidFill>
+                <a:latin typeface="+mn-lt"/>
+                <a:ea typeface="+mn-ea"/>
+                <a:cs typeface="+mn-cs"/>
+              </a:rPr>
+              <a:t>Gmail</a:t>
+            </a:r>
+            <a:r>
+              <a:rPr lang="zh-CN" altLang="en-US" sz="1200" b="0" i="0" u="none" strike="noStrike" kern="1200" baseline="0" dirty="0" smtClean="0">
+                <a:solidFill>
+                  <a:schemeClr val="tx1"/>
+                </a:solidFill>
+                <a:latin typeface="+mn-lt"/>
+                <a:ea typeface="+mn-ea"/>
+                <a:cs typeface="+mn-cs"/>
+              </a:rPr>
+              <a:t>插件和网易公司提供的网易邮箱插件。所以我们安装过网易的邮箱插件，并且希望借鉴其设计、架构。而网易邮箱插件属于使用</a:t>
+            </a:r>
+            <a:r>
+              <a:rPr lang="en-US" altLang="zh-CN" sz="1200" b="0" i="0" u="none" strike="noStrike" kern="1200" baseline="0" dirty="0" smtClean="0">
+                <a:solidFill>
+                  <a:schemeClr val="tx1"/>
+                </a:solidFill>
+                <a:latin typeface="+mn-lt"/>
+                <a:ea typeface="+mn-ea"/>
+                <a:cs typeface="+mn-cs"/>
+              </a:rPr>
+              <a:t>cookie</a:t>
+            </a:r>
+            <a:r>
+              <a:rPr lang="zh-CN" altLang="en-US" sz="1200" b="0" i="0" u="none" strike="noStrike" kern="1200" baseline="0" dirty="0" smtClean="0">
+                <a:solidFill>
+                  <a:schemeClr val="tx1"/>
+                </a:solidFill>
+                <a:latin typeface="+mn-lt"/>
+                <a:ea typeface="+mn-ea"/>
+                <a:cs typeface="+mn-cs"/>
+              </a:rPr>
+              <a:t>调用网易邮箱的接口进行邮件操作，而我们的学号邮箱却没有提供相关的接口。在这之后我们尝试通过后台直接解析学号邮箱页面，一则解析邮件</a:t>
+            </a:r>
+            <a:r>
+              <a:rPr lang="en-US" altLang="zh-CN" sz="1200" b="0" i="0" u="none" strike="noStrike" kern="1200" baseline="0" dirty="0" smtClean="0">
+                <a:solidFill>
+                  <a:schemeClr val="tx1"/>
+                </a:solidFill>
+                <a:latin typeface="+mn-lt"/>
+                <a:ea typeface="+mn-ea"/>
+                <a:cs typeface="+mn-cs"/>
+              </a:rPr>
+              <a:t>html</a:t>
+            </a:r>
+            <a:r>
+              <a:rPr lang="zh-CN" altLang="en-US" sz="1200" b="0" i="0" u="none" strike="noStrike" kern="1200" baseline="0" dirty="0" smtClean="0">
+                <a:solidFill>
+                  <a:schemeClr val="tx1"/>
+                </a:solidFill>
+                <a:latin typeface="+mn-lt"/>
+                <a:ea typeface="+mn-ea"/>
+                <a:cs typeface="+mn-cs"/>
+              </a:rPr>
+              <a:t>造成的延时十分影响用户体验；二来如果学号邮箱改版，我们就不得不做重新开发，对于二次开发是十分不利的。在进行直接学习、解析页面失败之后，我们尝试使用前后台模式。后台使用</a:t>
+            </a:r>
+            <a:r>
+              <a:rPr lang="en-US" altLang="zh-CN" sz="1200" b="0" i="0" u="none" strike="noStrike" kern="1200" baseline="0" dirty="0" smtClean="0">
+                <a:solidFill>
+                  <a:schemeClr val="tx1"/>
+                </a:solidFill>
+                <a:latin typeface="+mn-lt"/>
+                <a:ea typeface="+mn-ea"/>
+                <a:cs typeface="+mn-cs"/>
+              </a:rPr>
+              <a:t>IMAP</a:t>
+            </a:r>
+            <a:r>
+              <a:rPr lang="zh-CN" altLang="en-US" sz="1200" b="0" i="0" u="none" strike="noStrike" kern="1200" baseline="0" dirty="0" smtClean="0">
+                <a:solidFill>
+                  <a:schemeClr val="tx1"/>
+                </a:solidFill>
+                <a:latin typeface="+mn-lt"/>
+                <a:ea typeface="+mn-ea"/>
+                <a:cs typeface="+mn-cs"/>
+              </a:rPr>
+              <a:t>协议收取邮件并转码为前台</a:t>
+            </a:r>
+            <a:r>
+              <a:rPr lang="en-US" altLang="zh-CN" sz="1200" b="0" i="0" u="none" strike="noStrike" kern="1200" baseline="0" dirty="0" err="1" smtClean="0">
+                <a:solidFill>
+                  <a:schemeClr val="tx1"/>
+                </a:solidFill>
+                <a:latin typeface="+mn-lt"/>
+                <a:ea typeface="+mn-ea"/>
+                <a:cs typeface="+mn-cs"/>
+              </a:rPr>
+              <a:t>js</a:t>
+            </a:r>
+            <a:r>
+              <a:rPr lang="zh-CN" altLang="en-US" sz="1200" b="0" i="0" u="none" strike="noStrike" kern="1200" baseline="0" dirty="0" smtClean="0">
+                <a:solidFill>
+                  <a:schemeClr val="tx1"/>
+                </a:solidFill>
+                <a:latin typeface="+mn-lt"/>
+                <a:ea typeface="+mn-ea"/>
+                <a:cs typeface="+mn-cs"/>
+              </a:rPr>
+              <a:t>能够解析的代码；用</a:t>
+            </a:r>
+            <a:r>
+              <a:rPr lang="en-US" altLang="zh-CN" sz="1200" b="0" i="0" u="none" strike="noStrike" kern="1200" baseline="0" dirty="0" smtClean="0">
+                <a:solidFill>
+                  <a:schemeClr val="tx1"/>
+                </a:solidFill>
+                <a:latin typeface="+mn-lt"/>
+                <a:ea typeface="+mn-ea"/>
+                <a:cs typeface="+mn-cs"/>
+              </a:rPr>
+              <a:t>SMTP</a:t>
+            </a:r>
+            <a:r>
+              <a:rPr lang="zh-CN" altLang="en-US" sz="1200" b="0" i="0" u="none" strike="noStrike" kern="1200" baseline="0" dirty="0" smtClean="0">
+                <a:solidFill>
+                  <a:schemeClr val="tx1"/>
+                </a:solidFill>
+                <a:latin typeface="+mn-lt"/>
+                <a:ea typeface="+mn-ea"/>
+                <a:cs typeface="+mn-cs"/>
+              </a:rPr>
+              <a:t>发送邮件；使用</a:t>
+            </a:r>
+            <a:r>
+              <a:rPr lang="en-US" altLang="zh-CN" sz="1200" b="0" i="0" u="none" strike="noStrike" kern="1200" baseline="0" dirty="0" smtClean="0">
+                <a:solidFill>
+                  <a:schemeClr val="tx1"/>
+                </a:solidFill>
+                <a:latin typeface="+mn-lt"/>
+                <a:ea typeface="+mn-ea"/>
+                <a:cs typeface="+mn-cs"/>
+              </a:rPr>
+              <a:t>cache</a:t>
+            </a:r>
+            <a:r>
+              <a:rPr lang="zh-CN" altLang="en-US" sz="1200" b="0" i="0" u="none" strike="noStrike" kern="1200" baseline="0" dirty="0" smtClean="0">
+                <a:solidFill>
+                  <a:schemeClr val="tx1"/>
+                </a:solidFill>
+                <a:latin typeface="+mn-lt"/>
+                <a:ea typeface="+mn-ea"/>
+                <a:cs typeface="+mn-cs"/>
+              </a:rPr>
+              <a:t>维护连接流保持通信，不需要时常重新获取解析邮件。</a:t>
+            </a:r>
             <a:endParaRPr lang="zh-CN" altLang="en-US" dirty="0"/>
           </a:p>
         </p:txBody>
@@ -4769,8 +5004,8 @@
           <a:p>
             <a:pPr algn="ctr"/>
             <a:r>
-              <a:rPr lang="zh-CN" altLang="en-US" dirty="0"/>
-              <a:t>可行性调查不足</a:t>
+              <a:rPr lang="zh-CN" altLang="en-US" dirty="0" smtClean="0"/>
+              <a:t>设计方案回顾</a:t>
             </a:r>
             <a:endParaRPr lang="zh-CN" altLang="en-US" dirty="0"/>
           </a:p>
@@ -5277,13 +5512,7 @@
               <a:rPr lang="en-US" altLang="zh-CN" dirty="0" smtClean="0">
                 <a:latin typeface="+mn-lt"/>
               </a:rPr>
-              <a:t> Mail </a:t>
-            </a:r>
-            <a:r>
-              <a:rPr lang="en-US" altLang="zh-CN" dirty="0" smtClean="0">
-                <a:latin typeface="+mn-lt"/>
-              </a:rPr>
-              <a:t>Checker</a:t>
+              <a:t> Mail Checker</a:t>
             </a:r>
             <a:endParaRPr lang="zh-CN" altLang="en-US" dirty="0">
               <a:latin typeface="+mn-lt"/>
@@ -5419,11 +5648,7 @@
           <a:p>
             <a:r>
               <a:rPr lang="zh-CN" altLang="en-US" dirty="0" smtClean="0"/>
-              <a:t>项目</a:t>
-            </a:r>
-            <a:r>
-              <a:rPr lang="zh-CN" altLang="en-US" dirty="0" smtClean="0"/>
-              <a:t>进度计划</a:t>
+              <a:t>项目进度计划</a:t>
             </a:r>
             <a:endParaRPr lang="zh-CN" altLang="en-US" dirty="0"/>
           </a:p>

--- a/软件工程Lab1.pptx
+++ b/软件工程Lab1.pptx
@@ -5821,9 +5821,10 @@
           <a:lstStyle/>
           <a:p>
             <a:r>
-              <a:rPr lang="zh-CN" altLang="en-US" dirty="0"/>
-              <a:t>险象环生</a:t>
-            </a:r>
+              <a:rPr lang="zh-CN" altLang="en-US" smtClean="0"/>
+              <a:t>跌宕起伏</a:t>
+            </a:r>
+            <a:endParaRPr lang="zh-CN" altLang="en-US" dirty="0"/>
           </a:p>
         </p:txBody>
       </p:sp>

--- a/软件工程Lab1.pptx
+++ b/软件工程Lab1.pptx
@@ -757,6 +757,178 @@
 </p:notes>
 </file>
 
+<file path=ppt/notesSlides/notesSlide10.xml><?xml version="1.0" encoding="utf-8"?>
+<p:notes xmlns:a="http://schemas.openxmlformats.org/drawingml/2006/main" xmlns:r="http://schemas.openxmlformats.org/officeDocument/2006/relationships" xmlns:p="http://schemas.openxmlformats.org/presentationml/2006/main">
+  <p:cSld>
+    <p:spTree>
+      <p:nvGrpSpPr>
+        <p:cNvPr id="1" name=""/>
+        <p:cNvGrpSpPr/>
+        <p:nvPr/>
+      </p:nvGrpSpPr>
+      <p:grpSpPr>
+        <a:xfrm>
+          <a:off x="0" y="0"/>
+          <a:ext cx="0" cy="0"/>
+          <a:chOff x="0" y="0"/>
+          <a:chExt cx="0" cy="0"/>
+        </a:xfrm>
+      </p:grpSpPr>
+      <p:sp>
+        <p:nvSpPr>
+          <p:cNvPr id="2" name="幻灯片图像占位符 1"/>
+          <p:cNvSpPr>
+            <a:spLocks noGrp="1" noRot="1" noChangeAspect="1"/>
+          </p:cNvSpPr>
+          <p:nvPr>
+            <p:ph type="sldImg"/>
+          </p:nvPr>
+        </p:nvSpPr>
+        <p:spPr/>
+      </p:sp>
+      <p:sp>
+        <p:nvSpPr>
+          <p:cNvPr id="3" name="备注占位符 2"/>
+          <p:cNvSpPr>
+            <a:spLocks noGrp="1"/>
+          </p:cNvSpPr>
+          <p:nvPr>
+            <p:ph type="body" idx="1"/>
+          </p:nvPr>
+        </p:nvSpPr>
+        <p:spPr/>
+        <p:txBody>
+          <a:bodyPr/>
+          <a:lstStyle/>
+          <a:p>
+            <a:r>
+              <a:rPr lang="zh-CN" altLang="en-US" dirty="0" smtClean="0"/>
+              <a:t>最后说说我们这次项目做得最出色的地方，项目划分非常明确。由于这款插件只分为前台和后台，不存在代码整合，但是需要事先定义好接口。</a:t>
+            </a:r>
+            <a:endParaRPr lang="zh-CN" altLang="en-US" dirty="0"/>
+          </a:p>
+        </p:txBody>
+      </p:sp>
+      <p:sp>
+        <p:nvSpPr>
+          <p:cNvPr id="4" name="灯片编号占位符 3"/>
+          <p:cNvSpPr>
+            <a:spLocks noGrp="1"/>
+          </p:cNvSpPr>
+          <p:nvPr>
+            <p:ph type="sldNum" sz="quarter" idx="10"/>
+          </p:nvPr>
+        </p:nvSpPr>
+        <p:spPr/>
+        <p:txBody>
+          <a:bodyPr/>
+          <a:lstStyle/>
+          <a:p>
+            <a:fld id="{688B8973-5428-4868-980E-DEDE535EF6EF}" type="slidenum">
+              <a:rPr lang="zh-CN" altLang="en-US" smtClean="0"/>
+              <a:t>14</a:t>
+            </a:fld>
+            <a:endParaRPr lang="zh-CN" altLang="en-US"/>
+          </a:p>
+        </p:txBody>
+      </p:sp>
+    </p:spTree>
+    <p:extLst>
+      <p:ext uri="{BB962C8B-B14F-4D97-AF65-F5344CB8AC3E}">
+        <p14:creationId xmlns:p14="http://schemas.microsoft.com/office/powerpoint/2010/main" val="634291018"/>
+      </p:ext>
+    </p:extLst>
+  </p:cSld>
+  <p:clrMapOvr>
+    <a:masterClrMapping/>
+  </p:clrMapOvr>
+</p:notes>
+</file>
+
+<file path=ppt/notesSlides/notesSlide11.xml><?xml version="1.0" encoding="utf-8"?>
+<p:notes xmlns:a="http://schemas.openxmlformats.org/drawingml/2006/main" xmlns:r="http://schemas.openxmlformats.org/officeDocument/2006/relationships" xmlns:p="http://schemas.openxmlformats.org/presentationml/2006/main">
+  <p:cSld>
+    <p:spTree>
+      <p:nvGrpSpPr>
+        <p:cNvPr id="1" name=""/>
+        <p:cNvGrpSpPr/>
+        <p:nvPr/>
+      </p:nvGrpSpPr>
+      <p:grpSpPr>
+        <a:xfrm>
+          <a:off x="0" y="0"/>
+          <a:ext cx="0" cy="0"/>
+          <a:chOff x="0" y="0"/>
+          <a:chExt cx="0" cy="0"/>
+        </a:xfrm>
+      </p:grpSpPr>
+      <p:sp>
+        <p:nvSpPr>
+          <p:cNvPr id="2" name="幻灯片图像占位符 1"/>
+          <p:cNvSpPr>
+            <a:spLocks noGrp="1" noRot="1" noChangeAspect="1"/>
+          </p:cNvSpPr>
+          <p:nvPr>
+            <p:ph type="sldImg"/>
+          </p:nvPr>
+        </p:nvSpPr>
+        <p:spPr/>
+      </p:sp>
+      <p:sp>
+        <p:nvSpPr>
+          <p:cNvPr id="3" name="备注占位符 2"/>
+          <p:cNvSpPr>
+            <a:spLocks noGrp="1"/>
+          </p:cNvSpPr>
+          <p:nvPr>
+            <p:ph type="body" idx="1"/>
+          </p:nvPr>
+        </p:nvSpPr>
+        <p:spPr/>
+        <p:txBody>
+          <a:bodyPr/>
+          <a:lstStyle/>
+          <a:p>
+            <a:endParaRPr lang="zh-CN" altLang="en-US" dirty="0"/>
+          </a:p>
+        </p:txBody>
+      </p:sp>
+      <p:sp>
+        <p:nvSpPr>
+          <p:cNvPr id="4" name="灯片编号占位符 3"/>
+          <p:cNvSpPr>
+            <a:spLocks noGrp="1"/>
+          </p:cNvSpPr>
+          <p:nvPr>
+            <p:ph type="sldNum" sz="quarter" idx="10"/>
+          </p:nvPr>
+        </p:nvSpPr>
+        <p:spPr/>
+        <p:txBody>
+          <a:bodyPr/>
+          <a:lstStyle/>
+          <a:p>
+            <a:fld id="{688B8973-5428-4868-980E-DEDE535EF6EF}" type="slidenum">
+              <a:rPr lang="zh-CN" altLang="en-US" smtClean="0"/>
+              <a:t>15</a:t>
+            </a:fld>
+            <a:endParaRPr lang="zh-CN" altLang="en-US"/>
+          </a:p>
+        </p:txBody>
+      </p:sp>
+    </p:spTree>
+    <p:extLst>
+      <p:ext uri="{BB962C8B-B14F-4D97-AF65-F5344CB8AC3E}">
+        <p14:creationId xmlns:p14="http://schemas.microsoft.com/office/powerpoint/2010/main" val="2732026939"/>
+      </p:ext>
+    </p:extLst>
+  </p:cSld>
+  <p:clrMapOvr>
+    <a:masterClrMapping/>
+  </p:clrMapOvr>
+</p:notes>
+</file>
+
 <file path=ppt/notesSlides/notesSlide2.xml><?xml version="1.0" encoding="utf-8"?>
 <p:notes xmlns:a="http://schemas.openxmlformats.org/drawingml/2006/main" xmlns:r="http://schemas.openxmlformats.org/officeDocument/2006/relationships" xmlns:p="http://schemas.openxmlformats.org/presentationml/2006/main">
   <p:cSld>
@@ -1024,60 +1196,37 @@
           <a:lstStyle/>
           <a:p>
             <a:r>
+              <a:rPr lang="en-US" altLang="zh-CN" dirty="0" smtClean="0"/>
+              <a:t>Ajax</a:t>
+            </a:r>
+            <a:r>
               <a:rPr lang="zh-CN" altLang="en-US" dirty="0" smtClean="0"/>
-              <a:t>心得</a:t>
-            </a:r>
-            <a:endParaRPr lang="en-US" altLang="zh-CN" dirty="0" smtClean="0"/>
-          </a:p>
-          <a:p>
-            <a:pPr marL="0" indent="0">
-              <a:buNone/>
-            </a:pPr>
+              <a:t>跨域请求，</a:t>
+            </a:r>
+            <a:r>
+              <a:rPr lang="en-US" altLang="zh-CN" dirty="0" err="1" smtClean="0"/>
+              <a:t>smtp</a:t>
+            </a:r>
+            <a:r>
+              <a:rPr lang="zh-CN" altLang="en-US" dirty="0" smtClean="0"/>
+              <a:t>协议实现问题，</a:t>
+            </a:r>
             <a:r>
               <a:rPr lang="en-US" altLang="zh-CN" dirty="0" smtClean="0"/>
-              <a:t>cons</a:t>
-            </a:r>
-          </a:p>
-          <a:p>
-            <a:pPr marL="228600" indent="-228600">
-              <a:buAutoNum type="arabicPeriod"/>
-            </a:pPr>
+              <a:t>pop3</a:t>
+            </a:r>
             <a:r>
               <a:rPr lang="zh-CN" altLang="en-US" dirty="0" smtClean="0"/>
-              <a:t>客户需求理解过盛</a:t>
-            </a:r>
-            <a:endParaRPr lang="en-US" altLang="zh-CN" dirty="0" smtClean="0"/>
-          </a:p>
-          <a:p>
-            <a:pPr marL="228600" indent="-228600">
-              <a:buAutoNum type="arabicPeriod"/>
-            </a:pPr>
+              <a:t>协议无法改变服务器端状态，流读取问题（以换用</a:t>
+            </a:r>
+            <a:r>
+              <a:rPr lang="en-US" altLang="zh-CN" dirty="0" err="1" smtClean="0"/>
+              <a:t>imap</a:t>
+            </a:r>
             <a:r>
               <a:rPr lang="zh-CN" altLang="en-US" dirty="0" smtClean="0"/>
-              <a:t>可行性调查不足、项目复杂性</a:t>
-            </a:r>
-            <a:endParaRPr lang="en-US" altLang="zh-CN" dirty="0" smtClean="0"/>
-          </a:p>
-          <a:p>
-            <a:pPr marL="0" indent="0">
-              <a:buNone/>
-            </a:pPr>
-            <a:r>
-              <a:rPr lang="en-US" altLang="zh-CN" dirty="0" smtClean="0"/>
-              <a:t>pros</a:t>
-            </a:r>
-          </a:p>
-          <a:p>
-            <a:pPr marL="228600" indent="-228600">
-              <a:buAutoNum type="arabicPeriod"/>
-            </a:pPr>
-            <a:r>
-              <a:rPr lang="zh-CN" altLang="en-US" dirty="0" smtClean="0"/>
-              <a:t>项目划分明确、接口定义清晰，对接没有出意外</a:t>
-            </a:r>
-            <a:endParaRPr lang="en-US" altLang="zh-CN" dirty="0" smtClean="0"/>
-          </a:p>
-          <a:p>
+              <a:t>协议取代）</a:t>
+            </a:r>
             <a:endParaRPr lang="zh-CN" altLang="en-US" dirty="0"/>
           </a:p>
         </p:txBody>
@@ -1099,7 +1248,7 @@
           <a:p>
             <a:fld id="{688B8973-5428-4868-980E-DEDE535EF6EF}" type="slidenum">
               <a:rPr lang="zh-CN" altLang="en-US" smtClean="0"/>
-              <a:t>9</a:t>
+              <a:t>7</a:t>
             </a:fld>
             <a:endParaRPr lang="zh-CN" altLang="en-US"/>
           </a:p>
@@ -1108,7 +1257,7 @@
     </p:spTree>
     <p:extLst>
       <p:ext uri="{BB962C8B-B14F-4D97-AF65-F5344CB8AC3E}">
-        <p14:creationId xmlns:p14="http://schemas.microsoft.com/office/powerpoint/2010/main" val="2787826345"/>
+        <p14:creationId xmlns:p14="http://schemas.microsoft.com/office/powerpoint/2010/main" val="1714039713"/>
       </p:ext>
     </p:extLst>
   </p:cSld>
@@ -1238,7 +1387,7 @@
           <a:p>
             <a:fld id="{688B8973-5428-4868-980E-DEDE535EF6EF}" type="slidenum">
               <a:rPr lang="zh-CN" altLang="en-US" smtClean="0"/>
-              <a:t>11</a:t>
+              <a:t>9</a:t>
             </a:fld>
             <a:endParaRPr lang="zh-CN" altLang="en-US"/>
           </a:p>
@@ -1247,7 +1396,7 @@
     </p:spTree>
     <p:extLst>
       <p:ext uri="{BB962C8B-B14F-4D97-AF65-F5344CB8AC3E}">
-        <p14:creationId xmlns:p14="http://schemas.microsoft.com/office/powerpoint/2010/main" val="2746197481"/>
+        <p14:creationId xmlns:p14="http://schemas.microsoft.com/office/powerpoint/2010/main" val="2787826345"/>
       </p:ext>
     </p:extLst>
   </p:cSld>
@@ -1301,18 +1450,19 @@
           <a:bodyPr/>
           <a:lstStyle/>
           <a:p>
-            <a:pPr marL="0" indent="0">
-              <a:buNone/>
-            </a:pPr>
             <a:r>
               <a:rPr lang="zh-CN" altLang="en-US" dirty="0" smtClean="0"/>
-              <a:t>在最初客户的需求中其实只有提醒收到新邮件而已，后来在同客户交流的过程中，又不断添加了删除、回复、转发、标记已读功能。最后确定了一个相对开发周期来说比较庞大的项目需求。所以在开发过程中，开发团队总是觉得时间紧迫。在后期开发中不能不放弃一定的功能开发，只留下接口供后期</a:t>
+              <a:t>客户端发送邮件因为编码、</a:t>
+            </a:r>
+            <a:r>
+              <a:rPr lang="en-US" altLang="zh-CN" dirty="0" smtClean="0"/>
+              <a:t>html</a:t>
             </a:r>
             <a:r>
               <a:rPr lang="zh-CN" altLang="en-US" dirty="0" smtClean="0"/>
-              <a:t>发展。</a:t>
-            </a:r>
-            <a:endParaRPr lang="en-US" altLang="zh-CN" dirty="0" smtClean="0"/>
+              <a:t>标签文本和平文文本转换问题搁置</a:t>
+            </a:r>
+            <a:endParaRPr lang="zh-CN" altLang="en-US" dirty="0"/>
           </a:p>
         </p:txBody>
       </p:sp>
@@ -1333,7 +1483,7 @@
           <a:p>
             <a:fld id="{688B8973-5428-4868-980E-DEDE535EF6EF}" type="slidenum">
               <a:rPr lang="zh-CN" altLang="en-US" smtClean="0"/>
-              <a:t>12</a:t>
+              <a:t>10</a:t>
             </a:fld>
             <a:endParaRPr lang="zh-CN" altLang="en-US"/>
           </a:p>
@@ -1342,7 +1492,7 @@
     </p:spTree>
     <p:extLst>
       <p:ext uri="{BB962C8B-B14F-4D97-AF65-F5344CB8AC3E}">
-        <p14:creationId xmlns:p14="http://schemas.microsoft.com/office/powerpoint/2010/main" val="571110361"/>
+        <p14:creationId xmlns:p14="http://schemas.microsoft.com/office/powerpoint/2010/main" val="1094590653"/>
       </p:ext>
     </p:extLst>
   </p:cSld>
@@ -1397,236 +1547,60 @@
           <a:lstStyle/>
           <a:p>
             <a:r>
-              <a:rPr lang="zh-CN" altLang="en-US" sz="1200" b="0" i="0" u="none" strike="noStrike" kern="1200" baseline="0" dirty="0" smtClean="0">
-                <a:solidFill>
-                  <a:schemeClr val="tx1"/>
-                </a:solidFill>
-                <a:latin typeface="+mn-lt"/>
-                <a:ea typeface="+mn-ea"/>
-                <a:cs typeface="+mn-cs"/>
-              </a:rPr>
-              <a:t>由于我们推出的时</a:t>
-            </a:r>
-            <a:r>
-              <a:rPr lang="en-US" altLang="zh-CN" sz="1200" b="0" i="0" u="none" strike="noStrike" kern="1200" baseline="0" dirty="0" smtClean="0">
-                <a:solidFill>
-                  <a:schemeClr val="tx1"/>
-                </a:solidFill>
-                <a:latin typeface="+mn-lt"/>
-                <a:ea typeface="+mn-ea"/>
-                <a:cs typeface="+mn-cs"/>
-              </a:rPr>
-              <a:t>chrome</a:t>
-            </a:r>
-            <a:r>
-              <a:rPr lang="zh-CN" altLang="en-US" sz="1200" b="0" i="0" u="none" strike="noStrike" kern="1200" baseline="0" dirty="0" smtClean="0">
-                <a:solidFill>
-                  <a:schemeClr val="tx1"/>
-                </a:solidFill>
-                <a:latin typeface="+mn-lt"/>
-                <a:ea typeface="+mn-ea"/>
-                <a:cs typeface="+mn-cs"/>
-              </a:rPr>
-              <a:t>浏览器学邮插件，而在</a:t>
-            </a:r>
-            <a:r>
-              <a:rPr lang="en-US" altLang="zh-CN" sz="1200" b="0" i="0" u="none" strike="noStrike" kern="1200" baseline="0" dirty="0" smtClean="0">
-                <a:solidFill>
-                  <a:schemeClr val="tx1"/>
-                </a:solidFill>
-                <a:latin typeface="+mn-lt"/>
-                <a:ea typeface="+mn-ea"/>
-                <a:cs typeface="+mn-cs"/>
-              </a:rPr>
-              <a:t>chrome</a:t>
-            </a:r>
-            <a:r>
-              <a:rPr lang="zh-CN" altLang="en-US" sz="1200" b="0" i="0" u="none" strike="noStrike" kern="1200" baseline="0" dirty="0" smtClean="0">
-                <a:solidFill>
-                  <a:schemeClr val="tx1"/>
-                </a:solidFill>
-                <a:latin typeface="+mn-lt"/>
-                <a:ea typeface="+mn-ea"/>
-                <a:cs typeface="+mn-cs"/>
-              </a:rPr>
-              <a:t>应用商店中，已经存在了</a:t>
-            </a:r>
-            <a:r>
-              <a:rPr lang="en-US" altLang="zh-CN" sz="1200" b="0" i="0" u="none" strike="noStrike" kern="1200" baseline="0" dirty="0" err="1" smtClean="0">
-                <a:solidFill>
-                  <a:schemeClr val="tx1"/>
-                </a:solidFill>
-                <a:latin typeface="+mn-lt"/>
-                <a:ea typeface="+mn-ea"/>
-                <a:cs typeface="+mn-cs"/>
-              </a:rPr>
-              <a:t>google</a:t>
-            </a:r>
-            <a:r>
-              <a:rPr lang="zh-CN" altLang="en-US" sz="1200" b="0" i="0" u="none" strike="noStrike" kern="1200" baseline="0" dirty="0" smtClean="0">
-                <a:solidFill>
-                  <a:schemeClr val="tx1"/>
-                </a:solidFill>
-                <a:latin typeface="+mn-lt"/>
-                <a:ea typeface="+mn-ea"/>
-                <a:cs typeface="+mn-cs"/>
-              </a:rPr>
-              <a:t>提供的</a:t>
-            </a:r>
-            <a:r>
-              <a:rPr lang="en-US" altLang="zh-CN" sz="1200" b="0" i="0" u="none" strike="noStrike" kern="1200" baseline="0" dirty="0" smtClean="0">
-                <a:solidFill>
-                  <a:schemeClr val="tx1"/>
-                </a:solidFill>
-                <a:latin typeface="+mn-lt"/>
-                <a:ea typeface="+mn-ea"/>
-                <a:cs typeface="+mn-cs"/>
-              </a:rPr>
-              <a:t>Gmail</a:t>
-            </a:r>
-            <a:r>
-              <a:rPr lang="zh-CN" altLang="en-US" sz="1200" b="0" i="0" u="none" strike="noStrike" kern="1200" baseline="0" dirty="0" smtClean="0">
-                <a:solidFill>
-                  <a:schemeClr val="tx1"/>
-                </a:solidFill>
-                <a:latin typeface="+mn-lt"/>
-                <a:ea typeface="+mn-ea"/>
-                <a:cs typeface="+mn-cs"/>
-              </a:rPr>
-              <a:t>插件和网易公司提供的网易邮箱插件。所以我们安装过网易的邮箱插件，并且希望借鉴其设计、架构。而网易邮箱插件属于使用</a:t>
-            </a:r>
-            <a:r>
-              <a:rPr lang="en-US" altLang="zh-CN" sz="1200" b="0" i="0" u="none" strike="noStrike" kern="1200" baseline="0" dirty="0" smtClean="0">
-                <a:solidFill>
-                  <a:schemeClr val="tx1"/>
-                </a:solidFill>
-                <a:latin typeface="+mn-lt"/>
-                <a:ea typeface="+mn-ea"/>
-                <a:cs typeface="+mn-cs"/>
-              </a:rPr>
-              <a:t>cookie</a:t>
-            </a:r>
-            <a:r>
-              <a:rPr lang="zh-CN" altLang="en-US" sz="1200" b="0" i="0" u="none" strike="noStrike" kern="1200" baseline="0" dirty="0" smtClean="0">
-                <a:solidFill>
-                  <a:schemeClr val="tx1"/>
-                </a:solidFill>
-                <a:latin typeface="+mn-lt"/>
-                <a:ea typeface="+mn-ea"/>
-                <a:cs typeface="+mn-cs"/>
-              </a:rPr>
-              <a:t>调用网易邮箱的接口进行邮件操作，而我们的学号邮箱却没有提供相关的接口。在这之后我们尝试通过后台直接解析学号邮箱页面，一则解析邮件</a:t>
-            </a:r>
-            <a:r>
-              <a:rPr lang="en-US" altLang="zh-CN" sz="1200" b="0" i="0" u="none" strike="noStrike" kern="1200" baseline="0" dirty="0" smtClean="0">
-                <a:solidFill>
-                  <a:schemeClr val="tx1"/>
-                </a:solidFill>
-                <a:latin typeface="+mn-lt"/>
-                <a:ea typeface="+mn-ea"/>
-                <a:cs typeface="+mn-cs"/>
-              </a:rPr>
-              <a:t>html</a:t>
-            </a:r>
-            <a:r>
-              <a:rPr lang="zh-CN" altLang="en-US" sz="1200" b="0" i="0" u="none" strike="noStrike" kern="1200" baseline="0" dirty="0" smtClean="0">
-                <a:solidFill>
-                  <a:schemeClr val="tx1"/>
-                </a:solidFill>
-                <a:latin typeface="+mn-lt"/>
-                <a:ea typeface="+mn-ea"/>
-                <a:cs typeface="+mn-cs"/>
-              </a:rPr>
-              <a:t>造成的延时十分影响用户体验；二来如果学号邮箱改版，我们就不得不做重新开发，对于二次开发是十分不利的。在进行直接学习、解析页面失败之后，我们尝试使用前后台模式。后台使用</a:t>
-            </a:r>
-            <a:r>
-              <a:rPr lang="en-US" altLang="zh-CN" sz="1200" b="0" i="0" u="none" strike="noStrike" kern="1200" baseline="0" dirty="0" smtClean="0">
-                <a:solidFill>
-                  <a:schemeClr val="tx1"/>
-                </a:solidFill>
-                <a:latin typeface="+mn-lt"/>
-                <a:ea typeface="+mn-ea"/>
-                <a:cs typeface="+mn-cs"/>
-              </a:rPr>
-              <a:t>IMAP</a:t>
-            </a:r>
-            <a:r>
-              <a:rPr lang="zh-CN" altLang="en-US" sz="1200" b="0" i="0" u="none" strike="noStrike" kern="1200" baseline="0" dirty="0" smtClean="0">
-                <a:solidFill>
-                  <a:schemeClr val="tx1"/>
-                </a:solidFill>
-                <a:latin typeface="+mn-lt"/>
-                <a:ea typeface="+mn-ea"/>
-                <a:cs typeface="+mn-cs"/>
-              </a:rPr>
-              <a:t>协议收取邮件并转码为前台</a:t>
-            </a:r>
-            <a:r>
-              <a:rPr lang="en-US" altLang="zh-CN" sz="1200" b="0" i="0" u="none" strike="noStrike" kern="1200" baseline="0" dirty="0" err="1" smtClean="0">
-                <a:solidFill>
-                  <a:schemeClr val="tx1"/>
-                </a:solidFill>
-                <a:latin typeface="+mn-lt"/>
-                <a:ea typeface="+mn-ea"/>
-                <a:cs typeface="+mn-cs"/>
-              </a:rPr>
-              <a:t>js</a:t>
-            </a:r>
-            <a:r>
-              <a:rPr lang="zh-CN" altLang="en-US" sz="1200" b="0" i="0" u="none" strike="noStrike" kern="1200" baseline="0" dirty="0" smtClean="0">
-                <a:solidFill>
-                  <a:schemeClr val="tx1"/>
-                </a:solidFill>
-                <a:latin typeface="+mn-lt"/>
-                <a:ea typeface="+mn-ea"/>
-                <a:cs typeface="+mn-cs"/>
-              </a:rPr>
-              <a:t>能够解析的代码；用</a:t>
-            </a:r>
-            <a:r>
-              <a:rPr lang="en-US" altLang="zh-CN" sz="1200" b="0" i="0" u="none" strike="noStrike" kern="1200" baseline="0" dirty="0" smtClean="0">
-                <a:solidFill>
-                  <a:schemeClr val="tx1"/>
-                </a:solidFill>
-                <a:latin typeface="+mn-lt"/>
-                <a:ea typeface="+mn-ea"/>
-                <a:cs typeface="+mn-cs"/>
-              </a:rPr>
-              <a:t>SMTP</a:t>
-            </a:r>
-            <a:r>
-              <a:rPr lang="zh-CN" altLang="en-US" sz="1200" b="0" i="0" u="none" strike="noStrike" kern="1200" baseline="0" dirty="0" smtClean="0">
-                <a:solidFill>
-                  <a:schemeClr val="tx1"/>
-                </a:solidFill>
-                <a:latin typeface="+mn-lt"/>
-                <a:ea typeface="+mn-ea"/>
-                <a:cs typeface="+mn-cs"/>
-              </a:rPr>
-              <a:t>发送邮件；使用</a:t>
-            </a:r>
-            <a:r>
-              <a:rPr lang="en-US" altLang="zh-CN" sz="1200" b="0" i="0" u="none" strike="noStrike" kern="1200" baseline="0" dirty="0" smtClean="0">
-                <a:solidFill>
-                  <a:schemeClr val="tx1"/>
-                </a:solidFill>
-                <a:latin typeface="+mn-lt"/>
-                <a:ea typeface="+mn-ea"/>
-                <a:cs typeface="+mn-cs"/>
-              </a:rPr>
-              <a:t>cache</a:t>
-            </a:r>
-            <a:r>
-              <a:rPr lang="zh-CN" altLang="en-US" sz="1200" b="0" i="0" u="none" strike="noStrike" kern="1200" baseline="0" dirty="0" smtClean="0">
-                <a:solidFill>
-                  <a:schemeClr val="tx1"/>
-                </a:solidFill>
-                <a:latin typeface="+mn-lt"/>
-                <a:ea typeface="+mn-ea"/>
-                <a:cs typeface="+mn-cs"/>
-              </a:rPr>
-              <a:t>维护连接流保持通信，不需要时常重新获取解析邮件。</a:t>
-            </a:r>
+              <a:rPr lang="zh-CN" altLang="en-US" dirty="0" smtClean="0"/>
+              <a:t>心得</a:t>
+            </a:r>
+            <a:endParaRPr lang="en-US" altLang="zh-CN" dirty="0" smtClean="0"/>
+          </a:p>
+          <a:p>
+            <a:pPr marL="0" indent="0">
+              <a:buNone/>
+            </a:pPr>
+            <a:r>
+              <a:rPr lang="en-US" altLang="zh-CN" dirty="0" smtClean="0"/>
+              <a:t>cons</a:t>
+            </a:r>
+          </a:p>
+          <a:p>
+            <a:pPr marL="228600" indent="-228600">
+              <a:buAutoNum type="arabicPeriod"/>
+            </a:pPr>
+            <a:r>
+              <a:rPr lang="zh-CN" altLang="en-US" dirty="0" smtClean="0"/>
+              <a:t>客户需求理解过盛</a:t>
+            </a:r>
+            <a:endParaRPr lang="en-US" altLang="zh-CN" dirty="0" smtClean="0"/>
+          </a:p>
+          <a:p>
+            <a:pPr marL="228600" indent="-228600">
+              <a:buAutoNum type="arabicPeriod"/>
+            </a:pPr>
+            <a:r>
+              <a:rPr lang="zh-CN" altLang="en-US" dirty="0" smtClean="0"/>
+              <a:t>可行性调查不足、项目复杂性</a:t>
+            </a:r>
+            <a:endParaRPr lang="en-US" altLang="zh-CN" dirty="0" smtClean="0"/>
+          </a:p>
+          <a:p>
+            <a:pPr marL="0" indent="0">
+              <a:buNone/>
+            </a:pPr>
+            <a:r>
+              <a:rPr lang="en-US" altLang="zh-CN" dirty="0" smtClean="0"/>
+              <a:t>pros</a:t>
+            </a:r>
+          </a:p>
+          <a:p>
+            <a:pPr marL="228600" indent="-228600">
+              <a:buAutoNum type="arabicPeriod"/>
+            </a:pPr>
+            <a:r>
+              <a:rPr lang="zh-CN" altLang="en-US" dirty="0" smtClean="0"/>
+              <a:t>项目划分明确、接口定义清晰，对接没有出意外</a:t>
+            </a:r>
+            <a:endParaRPr lang="en-US" altLang="zh-CN" dirty="0" smtClean="0"/>
+          </a:p>
+          <a:p>
             <a:endParaRPr lang="zh-CN" altLang="en-US" dirty="0"/>
           </a:p>
         </p:txBody>
@@ -1648,7 +1622,7 @@
           <a:p>
             <a:fld id="{688B8973-5428-4868-980E-DEDE535EF6EF}" type="slidenum">
               <a:rPr lang="zh-CN" altLang="en-US" smtClean="0"/>
-              <a:t>13</a:t>
+              <a:t>11</a:t>
             </a:fld>
             <a:endParaRPr lang="zh-CN" altLang="en-US"/>
           </a:p>
@@ -1657,7 +1631,7 @@
     </p:spTree>
     <p:extLst>
       <p:ext uri="{BB962C8B-B14F-4D97-AF65-F5344CB8AC3E}">
-        <p14:creationId xmlns:p14="http://schemas.microsoft.com/office/powerpoint/2010/main" val="1792953401"/>
+        <p14:creationId xmlns:p14="http://schemas.microsoft.com/office/powerpoint/2010/main" val="2746197481"/>
       </p:ext>
     </p:extLst>
   </p:cSld>
@@ -1711,11 +1685,14 @@
           <a:bodyPr/>
           <a:lstStyle/>
           <a:p>
+            <a:pPr marL="0" indent="0">
+              <a:buNone/>
+            </a:pPr>
             <a:r>
               <a:rPr lang="zh-CN" altLang="en-US" dirty="0" smtClean="0"/>
-              <a:t>最后说说我们这次项目做得最出色的地方，项目划分非常明确。由于这款插件只分为前台和后台，不存在代码整合，但是需要事先定义好接口。</a:t>
-            </a:r>
-            <a:endParaRPr lang="zh-CN" altLang="en-US" dirty="0"/>
+              <a:t>在最初客户的需求中其实只有提醒收到新邮件而已，后来在同客户交流的过程中，又不断添加了删除、回复、转发、标记已读功能。最后确定了一个相对开发周期来说比较庞大的项目需求。所以在开发过程中，开发团队总是觉得时间紧迫。在后期开发中不能不放弃一定的功能开发，只留下接口供后期发展。</a:t>
+            </a:r>
+            <a:endParaRPr lang="en-US" altLang="zh-CN" dirty="0" smtClean="0"/>
           </a:p>
         </p:txBody>
       </p:sp>
@@ -1736,7 +1713,7 @@
           <a:p>
             <a:fld id="{688B8973-5428-4868-980E-DEDE535EF6EF}" type="slidenum">
               <a:rPr lang="zh-CN" altLang="en-US" smtClean="0"/>
-              <a:t>14</a:t>
+              <a:t>12</a:t>
             </a:fld>
             <a:endParaRPr lang="zh-CN" altLang="en-US"/>
           </a:p>
@@ -1745,7 +1722,7 @@
     </p:spTree>
     <p:extLst>
       <p:ext uri="{BB962C8B-B14F-4D97-AF65-F5344CB8AC3E}">
-        <p14:creationId xmlns:p14="http://schemas.microsoft.com/office/powerpoint/2010/main" val="634291018"/>
+        <p14:creationId xmlns:p14="http://schemas.microsoft.com/office/powerpoint/2010/main" val="571110361"/>
       </p:ext>
     </p:extLst>
   </p:cSld>
@@ -1799,6 +1776,237 @@
           <a:bodyPr/>
           <a:lstStyle/>
           <a:p>
+            <a:r>
+              <a:rPr lang="zh-CN" altLang="en-US" sz="1200" b="0" i="0" u="none" strike="noStrike" kern="1200" baseline="0" dirty="0" smtClean="0">
+                <a:solidFill>
+                  <a:schemeClr val="tx1"/>
+                </a:solidFill>
+                <a:latin typeface="+mn-lt"/>
+                <a:ea typeface="+mn-ea"/>
+                <a:cs typeface="+mn-cs"/>
+              </a:rPr>
+              <a:t>由于我们推出的时</a:t>
+            </a:r>
+            <a:r>
+              <a:rPr lang="en-US" altLang="zh-CN" sz="1200" b="0" i="0" u="none" strike="noStrike" kern="1200" baseline="0" dirty="0" smtClean="0">
+                <a:solidFill>
+                  <a:schemeClr val="tx1"/>
+                </a:solidFill>
+                <a:latin typeface="+mn-lt"/>
+                <a:ea typeface="+mn-ea"/>
+                <a:cs typeface="+mn-cs"/>
+              </a:rPr>
+              <a:t>chrome</a:t>
+            </a:r>
+            <a:r>
+              <a:rPr lang="zh-CN" altLang="en-US" sz="1200" b="0" i="0" u="none" strike="noStrike" kern="1200" baseline="0" dirty="0" smtClean="0">
+                <a:solidFill>
+                  <a:schemeClr val="tx1"/>
+                </a:solidFill>
+                <a:latin typeface="+mn-lt"/>
+                <a:ea typeface="+mn-ea"/>
+                <a:cs typeface="+mn-cs"/>
+              </a:rPr>
+              <a:t>浏览器学邮插件，而在</a:t>
+            </a:r>
+            <a:r>
+              <a:rPr lang="en-US" altLang="zh-CN" sz="1200" b="0" i="0" u="none" strike="noStrike" kern="1200" baseline="0" dirty="0" smtClean="0">
+                <a:solidFill>
+                  <a:schemeClr val="tx1"/>
+                </a:solidFill>
+                <a:latin typeface="+mn-lt"/>
+                <a:ea typeface="+mn-ea"/>
+                <a:cs typeface="+mn-cs"/>
+              </a:rPr>
+              <a:t>chrome</a:t>
+            </a:r>
+            <a:r>
+              <a:rPr lang="zh-CN" altLang="en-US" sz="1200" b="0" i="0" u="none" strike="noStrike" kern="1200" baseline="0" dirty="0" smtClean="0">
+                <a:solidFill>
+                  <a:schemeClr val="tx1"/>
+                </a:solidFill>
+                <a:latin typeface="+mn-lt"/>
+                <a:ea typeface="+mn-ea"/>
+                <a:cs typeface="+mn-cs"/>
+              </a:rPr>
+              <a:t>应用商店中，已经存在了</a:t>
+            </a:r>
+            <a:r>
+              <a:rPr lang="en-US" altLang="zh-CN" sz="1200" b="0" i="0" u="none" strike="noStrike" kern="1200" baseline="0" dirty="0" err="1" smtClean="0">
+                <a:solidFill>
+                  <a:schemeClr val="tx1"/>
+                </a:solidFill>
+                <a:latin typeface="+mn-lt"/>
+                <a:ea typeface="+mn-ea"/>
+                <a:cs typeface="+mn-cs"/>
+              </a:rPr>
+              <a:t>google</a:t>
+            </a:r>
+            <a:r>
+              <a:rPr lang="zh-CN" altLang="en-US" sz="1200" b="0" i="0" u="none" strike="noStrike" kern="1200" baseline="0" dirty="0" smtClean="0">
+                <a:solidFill>
+                  <a:schemeClr val="tx1"/>
+                </a:solidFill>
+                <a:latin typeface="+mn-lt"/>
+                <a:ea typeface="+mn-ea"/>
+                <a:cs typeface="+mn-cs"/>
+              </a:rPr>
+              <a:t>提供的</a:t>
+            </a:r>
+            <a:r>
+              <a:rPr lang="en-US" altLang="zh-CN" sz="1200" b="0" i="0" u="none" strike="noStrike" kern="1200" baseline="0" dirty="0" smtClean="0">
+                <a:solidFill>
+                  <a:schemeClr val="tx1"/>
+                </a:solidFill>
+                <a:latin typeface="+mn-lt"/>
+                <a:ea typeface="+mn-ea"/>
+                <a:cs typeface="+mn-cs"/>
+              </a:rPr>
+              <a:t>Gmail</a:t>
+            </a:r>
+            <a:r>
+              <a:rPr lang="zh-CN" altLang="en-US" sz="1200" b="0" i="0" u="none" strike="noStrike" kern="1200" baseline="0" dirty="0" smtClean="0">
+                <a:solidFill>
+                  <a:schemeClr val="tx1"/>
+                </a:solidFill>
+                <a:latin typeface="+mn-lt"/>
+                <a:ea typeface="+mn-ea"/>
+                <a:cs typeface="+mn-cs"/>
+              </a:rPr>
+              <a:t>插件和网易公司提供的网易邮箱插件。所以我们安装过网易的邮箱插件，并且希望借鉴其设计、架构。而网易邮箱插件属于使用</a:t>
+            </a:r>
+            <a:r>
+              <a:rPr lang="en-US" altLang="zh-CN" sz="1200" b="0" i="0" u="none" strike="noStrike" kern="1200" baseline="0" dirty="0" smtClean="0">
+                <a:solidFill>
+                  <a:schemeClr val="tx1"/>
+                </a:solidFill>
+                <a:latin typeface="+mn-lt"/>
+                <a:ea typeface="+mn-ea"/>
+                <a:cs typeface="+mn-cs"/>
+              </a:rPr>
+              <a:t>cookie</a:t>
+            </a:r>
+            <a:r>
+              <a:rPr lang="zh-CN" altLang="en-US" sz="1200" b="0" i="0" u="none" strike="noStrike" kern="1200" baseline="0" dirty="0" smtClean="0">
+                <a:solidFill>
+                  <a:schemeClr val="tx1"/>
+                </a:solidFill>
+                <a:latin typeface="+mn-lt"/>
+                <a:ea typeface="+mn-ea"/>
+                <a:cs typeface="+mn-cs"/>
+              </a:rPr>
+              <a:t>调用网易邮箱的接口进行邮件操作，而我们的学号邮箱却没有提供相关的接口。在这之后我们尝试通过后台直接解析学号邮箱页面，一则解析邮件</a:t>
+            </a:r>
+            <a:r>
+              <a:rPr lang="en-US" altLang="zh-CN" sz="1200" b="0" i="0" u="none" strike="noStrike" kern="1200" baseline="0" dirty="0" smtClean="0">
+                <a:solidFill>
+                  <a:schemeClr val="tx1"/>
+                </a:solidFill>
+                <a:latin typeface="+mn-lt"/>
+                <a:ea typeface="+mn-ea"/>
+                <a:cs typeface="+mn-cs"/>
+              </a:rPr>
+              <a:t>html</a:t>
+            </a:r>
+            <a:r>
+              <a:rPr lang="zh-CN" altLang="en-US" sz="1200" b="0" i="0" u="none" strike="noStrike" kern="1200" baseline="0" dirty="0" smtClean="0">
+                <a:solidFill>
+                  <a:schemeClr val="tx1"/>
+                </a:solidFill>
+                <a:latin typeface="+mn-lt"/>
+                <a:ea typeface="+mn-ea"/>
+                <a:cs typeface="+mn-cs"/>
+              </a:rPr>
+              <a:t>造成的延时十分影响用户体验；二来如果学号邮箱改版，我们就不得不做重新开发，对于二次开发是十分不利的。在进行直接学习、解析页面失败之后，我们尝试使用前后台模式。后台使用</a:t>
+            </a:r>
+            <a:r>
+              <a:rPr lang="en-US" altLang="zh-CN" sz="1200" b="0" i="0" u="none" strike="noStrike" kern="1200" baseline="0" dirty="0" smtClean="0">
+                <a:solidFill>
+                  <a:schemeClr val="tx1"/>
+                </a:solidFill>
+                <a:latin typeface="+mn-lt"/>
+                <a:ea typeface="+mn-ea"/>
+                <a:cs typeface="+mn-cs"/>
+              </a:rPr>
+              <a:t>IMAP</a:t>
+            </a:r>
+            <a:r>
+              <a:rPr lang="zh-CN" altLang="en-US" sz="1200" b="0" i="0" u="none" strike="noStrike" kern="1200" baseline="0" dirty="0" smtClean="0">
+                <a:solidFill>
+                  <a:schemeClr val="tx1"/>
+                </a:solidFill>
+                <a:latin typeface="+mn-lt"/>
+                <a:ea typeface="+mn-ea"/>
+                <a:cs typeface="+mn-cs"/>
+              </a:rPr>
+              <a:t>协议收取邮件并转码为前台</a:t>
+            </a:r>
+            <a:r>
+              <a:rPr lang="en-US" altLang="zh-CN" sz="1200" b="0" i="0" u="none" strike="noStrike" kern="1200" baseline="0" dirty="0" err="1" smtClean="0">
+                <a:solidFill>
+                  <a:schemeClr val="tx1"/>
+                </a:solidFill>
+                <a:latin typeface="+mn-lt"/>
+                <a:ea typeface="+mn-ea"/>
+                <a:cs typeface="+mn-cs"/>
+              </a:rPr>
+              <a:t>js</a:t>
+            </a:r>
+            <a:r>
+              <a:rPr lang="zh-CN" altLang="en-US" sz="1200" b="0" i="0" u="none" strike="noStrike" kern="1200" baseline="0" dirty="0" smtClean="0">
+                <a:solidFill>
+                  <a:schemeClr val="tx1"/>
+                </a:solidFill>
+                <a:latin typeface="+mn-lt"/>
+                <a:ea typeface="+mn-ea"/>
+                <a:cs typeface="+mn-cs"/>
+              </a:rPr>
+              <a:t>能够解析的代码；用</a:t>
+            </a:r>
+            <a:r>
+              <a:rPr lang="en-US" altLang="zh-CN" sz="1200" b="0" i="0" u="none" strike="noStrike" kern="1200" baseline="0" dirty="0" smtClean="0">
+                <a:solidFill>
+                  <a:schemeClr val="tx1"/>
+                </a:solidFill>
+                <a:latin typeface="+mn-lt"/>
+                <a:ea typeface="+mn-ea"/>
+                <a:cs typeface="+mn-cs"/>
+              </a:rPr>
+              <a:t>SMTP</a:t>
+            </a:r>
+            <a:r>
+              <a:rPr lang="zh-CN" altLang="en-US" sz="1200" b="0" i="0" u="none" strike="noStrike" kern="1200" baseline="0" dirty="0" smtClean="0">
+                <a:solidFill>
+                  <a:schemeClr val="tx1"/>
+                </a:solidFill>
+                <a:latin typeface="+mn-lt"/>
+                <a:ea typeface="+mn-ea"/>
+                <a:cs typeface="+mn-cs"/>
+              </a:rPr>
+              <a:t>发送邮件；使用</a:t>
+            </a:r>
+            <a:r>
+              <a:rPr lang="en-US" altLang="zh-CN" sz="1200" b="0" i="0" u="none" strike="noStrike" kern="1200" baseline="0" dirty="0" smtClean="0">
+                <a:solidFill>
+                  <a:schemeClr val="tx1"/>
+                </a:solidFill>
+                <a:latin typeface="+mn-lt"/>
+                <a:ea typeface="+mn-ea"/>
+                <a:cs typeface="+mn-cs"/>
+              </a:rPr>
+              <a:t>cache</a:t>
+            </a:r>
+            <a:r>
+              <a:rPr lang="zh-CN" altLang="en-US" sz="1200" b="0" i="0" u="none" strike="noStrike" kern="1200" baseline="0" dirty="0" smtClean="0">
+                <a:solidFill>
+                  <a:schemeClr val="tx1"/>
+                </a:solidFill>
+                <a:latin typeface="+mn-lt"/>
+                <a:ea typeface="+mn-ea"/>
+                <a:cs typeface="+mn-cs"/>
+              </a:rPr>
+              <a:t>维护连接流保持通信，不需要时常重新获取解析邮件。</a:t>
+            </a:r>
             <a:endParaRPr lang="zh-CN" altLang="en-US" dirty="0"/>
           </a:p>
         </p:txBody>
@@ -1820,7 +2028,7 @@
           <a:p>
             <a:fld id="{688B8973-5428-4868-980E-DEDE535EF6EF}" type="slidenum">
               <a:rPr lang="zh-CN" altLang="en-US" smtClean="0"/>
-              <a:t>15</a:t>
+              <a:t>13</a:t>
             </a:fld>
             <a:endParaRPr lang="zh-CN" altLang="en-US"/>
           </a:p>
@@ -1829,7 +2037,7 @@
     </p:spTree>
     <p:extLst>
       <p:ext uri="{BB962C8B-B14F-4D97-AF65-F5344CB8AC3E}">
-        <p14:creationId xmlns:p14="http://schemas.microsoft.com/office/powerpoint/2010/main" val="2732026939"/>
+        <p14:creationId xmlns:p14="http://schemas.microsoft.com/office/powerpoint/2010/main" val="1792953401"/>
       </p:ext>
     </p:extLst>
   </p:cSld>
@@ -5867,12 +6075,12 @@
       </p:grpSpPr>
       <p:sp>
         <p:nvSpPr>
-          <p:cNvPr id="3" name="标题 2"/>
-          <p:cNvSpPr>
-            <a:spLocks noGrp="1"/>
-          </p:cNvSpPr>
-          <p:nvPr>
-            <p:ph type="title"/>
+          <p:cNvPr id="4" name="内容占位符 3"/>
+          <p:cNvSpPr>
+            <a:spLocks noGrp="1"/>
+          </p:cNvSpPr>
+          <p:nvPr>
+            <p:ph idx="1"/>
           </p:nvPr>
         </p:nvSpPr>
         <p:spPr/>
@@ -5880,26 +6088,10 @@
           <a:bodyPr/>
           <a:lstStyle/>
           <a:p>
-            <a:endParaRPr lang="zh-CN" altLang="en-US"/>
-          </a:p>
-        </p:txBody>
-      </p:sp>
-      <p:sp>
-        <p:nvSpPr>
-          <p:cNvPr id="4" name="内容占位符 3"/>
-          <p:cNvSpPr>
-            <a:spLocks noGrp="1"/>
-          </p:cNvSpPr>
-          <p:nvPr>
-            <p:ph idx="1"/>
-          </p:nvPr>
-        </p:nvSpPr>
-        <p:spPr/>
-        <p:txBody>
-          <a:bodyPr/>
-          <a:lstStyle/>
-          <a:p>
-            <a:endParaRPr lang="zh-CN" altLang="en-US"/>
+            <a:pPr marL="0" indent="0">
+              <a:buNone/>
+            </a:pPr>
+            <a:endParaRPr lang="zh-CN" altLang="en-US" dirty="0"/>
           </a:p>
         </p:txBody>
       </p:sp>

--- a/软件工程Lab1.pptx
+++ b/软件工程Lab1.pptx
@@ -1450,18 +1450,6 @@
           <a:bodyPr/>
           <a:lstStyle/>
           <a:p>
-            <a:r>
-              <a:rPr lang="zh-CN" altLang="en-US" dirty="0" smtClean="0"/>
-              <a:t>客户端发送邮件因为编码、</a:t>
-            </a:r>
-            <a:r>
-              <a:rPr lang="en-US" altLang="zh-CN" dirty="0" smtClean="0"/>
-              <a:t>html</a:t>
-            </a:r>
-            <a:r>
-              <a:rPr lang="zh-CN" altLang="en-US" dirty="0" smtClean="0"/>
-              <a:t>标签文本和平文文本转换问题搁置</a:t>
-            </a:r>
             <a:endParaRPr lang="zh-CN" altLang="en-US" dirty="0"/>
           </a:p>
         </p:txBody>
@@ -4994,31 +4982,54 @@
             <p:ph type="title"/>
           </p:nvPr>
         </p:nvSpPr>
-        <p:spPr/>
-        <p:txBody>
-          <a:bodyPr/>
-          <a:lstStyle/>
-          <a:p>
-            <a:endParaRPr lang="zh-CN" altLang="en-US"/>
-          </a:p>
-        </p:txBody>
-      </p:sp>
-      <p:sp>
-        <p:nvSpPr>
-          <p:cNvPr id="4" name="内容占位符 3"/>
-          <p:cNvSpPr>
-            <a:spLocks noGrp="1"/>
-          </p:cNvSpPr>
-          <p:nvPr>
-            <p:ph idx="1"/>
-          </p:nvPr>
-        </p:nvSpPr>
-        <p:spPr/>
-        <p:txBody>
-          <a:bodyPr/>
-          <a:lstStyle/>
-          <a:p>
-            <a:endParaRPr lang="zh-CN" altLang="en-US"/>
+        <p:spPr>
+          <a:xfrm>
+            <a:off x="1892913" y="2477458"/>
+            <a:ext cx="8406174" cy="2599039"/>
+          </a:xfrm>
+        </p:spPr>
+        <p:txBody>
+          <a:bodyPr>
+            <a:normAutofit fontScale="90000"/>
+          </a:bodyPr>
+          <a:lstStyle/>
+          <a:p>
+            <a:pPr>
+              <a:lnSpc>
+                <a:spcPct val="150000"/>
+              </a:lnSpc>
+            </a:pPr>
+            <a:r>
+              <a:rPr lang="zh-CN" altLang="en-US" sz="4000" dirty="0"/>
+              <a:t>客户端发送邮件因为</a:t>
+            </a:r>
+            <a:r>
+              <a:rPr lang="zh-CN" altLang="en-US" sz="4000" dirty="0" smtClean="0"/>
+              <a:t>编码</a:t>
+            </a:r>
+            <a:r>
+              <a:rPr lang="en-US" altLang="zh-CN" sz="4000" dirty="0" smtClean="0"/>
+              <a:t/>
+            </a:r>
+            <a:br>
+              <a:rPr lang="en-US" altLang="zh-CN" sz="4000" dirty="0" smtClean="0"/>
+            </a:br>
+            <a:r>
+              <a:rPr lang="en-US" altLang="zh-CN" sz="4000" dirty="0" smtClean="0"/>
+              <a:t>html</a:t>
+            </a:r>
+            <a:r>
+              <a:rPr lang="zh-CN" altLang="en-US" sz="4000" dirty="0"/>
+              <a:t>标签文本和平文文本转换问题搁置</a:t>
+            </a:r>
+            <a:r>
+              <a:rPr lang="zh-CN" altLang="en-US" dirty="0"/>
+              <a:t/>
+            </a:r>
+            <a:br>
+              <a:rPr lang="zh-CN" altLang="en-US" dirty="0"/>
+            </a:br>
+            <a:endParaRPr lang="zh-CN" altLang="en-US" dirty="0"/>
           </a:p>
         </p:txBody>
       </p:sp>
@@ -6075,22 +6086,72 @@
       </p:grpSpPr>
       <p:sp>
         <p:nvSpPr>
-          <p:cNvPr id="4" name="内容占位符 3"/>
-          <p:cNvSpPr>
-            <a:spLocks noGrp="1"/>
-          </p:cNvSpPr>
-          <p:nvPr>
-            <p:ph idx="1"/>
-          </p:nvPr>
-        </p:nvSpPr>
-        <p:spPr/>
-        <p:txBody>
-          <a:bodyPr/>
+          <p:cNvPr id="2" name="标题 1"/>
+          <p:cNvSpPr>
+            <a:spLocks noGrp="1"/>
+          </p:cNvSpPr>
+          <p:nvPr>
+            <p:ph type="title"/>
+          </p:nvPr>
+        </p:nvSpPr>
+        <p:spPr>
+          <a:xfrm>
+            <a:off x="2529314" y="1768257"/>
+            <a:ext cx="8522314" cy="4191109"/>
+          </a:xfrm>
+        </p:spPr>
+        <p:txBody>
+          <a:bodyPr>
+            <a:normAutofit/>
+          </a:bodyPr>
           <a:lstStyle/>
           <a:p>
             <a:pPr marL="0" indent="0">
-              <a:buNone/>
+              <a:lnSpc>
+                <a:spcPct val="150000"/>
+              </a:lnSpc>
             </a:pPr>
+            <a:r>
+              <a:rPr lang="en-US" altLang="zh-CN" sz="3600" dirty="0" err="1"/>
+              <a:t>smtp</a:t>
+            </a:r>
+            <a:r>
+              <a:rPr lang="zh-CN" altLang="en-US" sz="3600" dirty="0"/>
+              <a:t>协议实现问题</a:t>
+            </a:r>
+            <a:r>
+              <a:rPr lang="en-US" altLang="zh-CN" sz="3600" dirty="0"/>
+              <a:t/>
+            </a:r>
+            <a:br>
+              <a:rPr lang="en-US" altLang="zh-CN" sz="3600" dirty="0"/>
+            </a:br>
+            <a:r>
+              <a:rPr lang="en-US" altLang="zh-CN" sz="3600" dirty="0"/>
+              <a:t>pop3</a:t>
+            </a:r>
+            <a:r>
+              <a:rPr lang="zh-CN" altLang="en-US" sz="3600" dirty="0"/>
+              <a:t>协议无法改变服务器端状态</a:t>
+            </a:r>
+            <a:r>
+              <a:rPr lang="en-US" altLang="zh-CN" sz="3600" dirty="0"/>
+              <a:t/>
+            </a:r>
+            <a:br>
+              <a:rPr lang="en-US" altLang="zh-CN" sz="3600" dirty="0"/>
+            </a:br>
+            <a:r>
+              <a:rPr lang="zh-CN" altLang="en-US" sz="3600" dirty="0"/>
+              <a:t>流读取问题</a:t>
+            </a:r>
+            <a:r>
+              <a:rPr lang="zh-CN" altLang="en-US" dirty="0"/>
+              <a:t/>
+            </a:r>
+            <a:br>
+              <a:rPr lang="zh-CN" altLang="en-US" dirty="0"/>
+            </a:br>
             <a:endParaRPr lang="zh-CN" altLang="en-US" dirty="0"/>
           </a:p>
         </p:txBody>
@@ -6142,12 +6203,30 @@
             <p:ph type="title"/>
           </p:nvPr>
         </p:nvSpPr>
-        <p:spPr/>
-        <p:txBody>
-          <a:bodyPr/>
-          <a:lstStyle/>
-          <a:p>
-            <a:endParaRPr lang="zh-CN" altLang="en-US"/>
+        <p:spPr>
+          <a:xfrm>
+            <a:off x="2844624" y="2729706"/>
+            <a:ext cx="6220548" cy="1325563"/>
+          </a:xfrm>
+        </p:spPr>
+        <p:txBody>
+          <a:bodyPr/>
+          <a:lstStyle/>
+          <a:p>
+            <a:pPr algn="ctr"/>
+            <a:r>
+              <a:rPr lang="en-US" altLang="zh-CN" dirty="0"/>
+              <a:t>Ajax</a:t>
+            </a:r>
+            <a:r>
+              <a:rPr lang="zh-CN" altLang="en-US" dirty="0"/>
+              <a:t>跨域</a:t>
+            </a:r>
+            <a:r>
+              <a:rPr lang="zh-CN" altLang="en-US" dirty="0" smtClean="0"/>
+              <a:t>请求</a:t>
+            </a:r>
+            <a:endParaRPr lang="zh-CN" altLang="en-US" dirty="0"/>
           </a:p>
         </p:txBody>
       </p:sp>
@@ -6161,12 +6240,32 @@
             <p:ph idx="1"/>
           </p:nvPr>
         </p:nvSpPr>
-        <p:spPr/>
-        <p:txBody>
-          <a:bodyPr/>
-          <a:lstStyle/>
-          <a:p>
-            <a:endParaRPr lang="zh-CN" altLang="en-US"/>
+        <p:spPr>
+          <a:xfrm>
+            <a:off x="6096000" y="3812080"/>
+            <a:ext cx="3792658" cy="1138292"/>
+          </a:xfrm>
+        </p:spPr>
+        <p:txBody>
+          <a:bodyPr/>
+          <a:lstStyle/>
+          <a:p>
+            <a:pPr marL="0" indent="0">
+              <a:buNone/>
+            </a:pPr>
+            <a:r>
+              <a:rPr lang="en-US" altLang="zh-CN" dirty="0" smtClean="0"/>
+              <a:t>—— </a:t>
+            </a:r>
+            <a:r>
+              <a:rPr lang="zh-CN" altLang="en-US" dirty="0" smtClean="0"/>
+              <a:t>权限</a:t>
+            </a:r>
+            <a:r>
+              <a:rPr lang="en-US" altLang="zh-CN" dirty="0" smtClean="0"/>
+              <a:t>, cookie</a:t>
+            </a:r>
+            <a:endParaRPr lang="zh-CN" altLang="en-US" dirty="0"/>
           </a:p>
         </p:txBody>
       </p:sp>
